--- a/html/htlp5learning.pptx
+++ b/html/htlp5learning.pptx
@@ -7,6 +7,7 @@
   <p:sldIdLst>
     <p:sldId id="256" r:id="rId2"/>
     <p:sldId id="257" r:id="rId3"/>
+    <p:sldId id="258" r:id="rId4"/>
   </p:sldIdLst>
   <p:sldSz cx="12192000" cy="6858000"/>
   <p:notesSz cx="6858000" cy="9144000"/>
@@ -105,6 +106,11 @@
       </a:defRPr>
     </a:lvl9pPr>
   </p:defaultTextStyle>
+  <p:extLst>
+    <p:ext uri="{EFAFB233-063F-42B5-8137-9DF3F51BA10A}">
+      <p15:sldGuideLst xmlns:p15="http://schemas.microsoft.com/office/powerpoint/2012/main"/>
+    </p:ext>
+  </p:extLst>
 </p:presentation>
 </file>
 
@@ -3086,78 +3092,106 @@
           <a:lstStyle/>
           <a:p>
             <a:r>
-              <a:rPr lang="en-US" sz="2000" dirty="0" smtClean="0"/>
+              <a:rPr lang="en-US" sz="1600" dirty="0" smtClean="0"/>
               <a:t>&lt;!DOCTYPE html&gt; : indicate html5</a:t>
             </a:r>
           </a:p>
           <a:p>
             <a:r>
-              <a:rPr lang="en-US" sz="2000" dirty="0" smtClean="0"/>
+              <a:rPr lang="en-US" sz="1600" dirty="0" smtClean="0"/>
               <a:t>&lt;html&gt; &lt;/html&gt; : Complete document bundled with in these tags</a:t>
             </a:r>
           </a:p>
           <a:p>
             <a:r>
-              <a:rPr lang="en-US" sz="2000" dirty="0" smtClean="0"/>
-              <a:t>&lt;body&gt; &lt;/body&gt; : content of html will reside with in these tags. </a:t>
-            </a:r>
-          </a:p>
-          <a:p>
-            <a:r>
-              <a:rPr lang="en-US" sz="2000" dirty="0" smtClean="0"/>
+              <a:rPr lang="en-US" sz="1600" dirty="0" smtClean="0"/>
+              <a:t>&lt;body&gt; &lt;/body&gt; : </a:t>
+            </a:r>
+            <a:r>
+              <a:rPr lang="en-US" sz="1600" dirty="0" smtClean="0"/>
+              <a:t>document body, content </a:t>
+            </a:r>
+            <a:r>
+              <a:rPr lang="en-US" sz="1600" dirty="0" smtClean="0"/>
+              <a:t>of html will reside with in these tags. </a:t>
+            </a:r>
+          </a:p>
+          <a:p>
+            <a:r>
+              <a:rPr lang="en-US" sz="1600" dirty="0" smtClean="0"/>
               <a:t>&lt;h[1..6]&gt; &lt;/h[1..6]&gt; : html headings, there are 6 type of heading supported.</a:t>
             </a:r>
           </a:p>
           <a:p>
             <a:r>
-              <a:rPr lang="en-US" sz="2000" dirty="0" smtClean="0"/>
+              <a:rPr lang="en-US" sz="1600" dirty="0" smtClean="0"/>
               <a:t>&lt;p&gt;&lt;/p&gt; : A paragraph section is kept in between these tags</a:t>
             </a:r>
           </a:p>
           <a:p>
             <a:r>
-              <a:rPr lang="en-US" sz="2000" dirty="0" smtClean="0"/>
+              <a:rPr lang="en-US" sz="1600" dirty="0" smtClean="0"/>
               <a:t>&lt;a </a:t>
             </a:r>
             <a:r>
-              <a:rPr lang="en-US" sz="2000" dirty="0" err="1" smtClean="0"/>
+              <a:rPr lang="en-US" sz="1600" dirty="0" err="1" smtClean="0"/>
               <a:t>href</a:t>
             </a:r>
             <a:r>
-              <a:rPr lang="en-US" sz="2000" dirty="0" smtClean="0"/>
+              <a:rPr lang="en-US" sz="1600" dirty="0" smtClean="0"/>
               <a:t>=“</a:t>
             </a:r>
             <a:r>
-              <a:rPr lang="en-US" sz="2000" dirty="0" err="1" smtClean="0"/>
+              <a:rPr lang="en-US" sz="1600" dirty="0" err="1" smtClean="0"/>
               <a:t>url</a:t>
             </a:r>
             <a:r>
-              <a:rPr lang="en-US" sz="2000" dirty="0" smtClean="0"/>
+              <a:rPr lang="en-US" sz="1600" dirty="0" smtClean="0"/>
               <a:t>”&gt; &lt;/a&gt; : html link is defiled in these tags.</a:t>
             </a:r>
           </a:p>
           <a:p>
             <a:r>
-              <a:rPr lang="en-US" sz="2000" dirty="0" smtClean="0"/>
+              <a:rPr lang="en-US" sz="1600" dirty="0" smtClean="0"/>
               <a:t>&lt;</a:t>
             </a:r>
             <a:r>
-              <a:rPr lang="en-US" sz="2000" dirty="0" err="1" smtClean="0"/>
+              <a:rPr lang="en-US" sz="1600" dirty="0" err="1" smtClean="0"/>
               <a:t>img</a:t>
             </a:r>
             <a:r>
-              <a:rPr lang="en-US" sz="2000" dirty="0" smtClean="0"/>
+              <a:rPr lang="en-US" sz="1600" dirty="0" smtClean="0"/>
               <a:t> </a:t>
             </a:r>
             <a:r>
-              <a:rPr lang="en-US" sz="2000" dirty="0" err="1" smtClean="0"/>
+              <a:rPr lang="en-US" sz="1600" dirty="0" err="1" smtClean="0"/>
               <a:t>src</a:t>
             </a:r>
             <a:r>
-              <a:rPr lang="en-US" sz="2000" dirty="0" smtClean="0"/>
-              <a:t>=“” alt=“” width=“” height=“”&gt; : tag is used to display the image.</a:t>
-            </a:r>
-            <a:endParaRPr lang="en-US" sz="2000" dirty="0"/>
+              <a:rPr lang="en-US" sz="1600" dirty="0" smtClean="0"/>
+              <a:t>=“” alt=“” width=“” height=“”&gt; : tag is used to display the image</a:t>
+            </a:r>
+            <a:r>
+              <a:rPr lang="en-US" sz="1600" dirty="0" smtClean="0"/>
+              <a:t>.</a:t>
+            </a:r>
+          </a:p>
+          <a:p>
+            <a:r>
+              <a:rPr lang="en-US" sz="1600" dirty="0" smtClean="0"/>
+              <a:t>&lt;</a:t>
+            </a:r>
+            <a:r>
+              <a:rPr lang="en-US" sz="1600" dirty="0" err="1" smtClean="0"/>
+              <a:t>br</a:t>
+            </a:r>
+            <a:r>
+              <a:rPr lang="en-US" sz="1600" dirty="0" smtClean="0"/>
+              <a:t>&gt; : called as empty element.</a:t>
+            </a:r>
+          </a:p>
+          <a:p>
+            <a:endParaRPr lang="en-US" sz="1600" dirty="0"/>
           </a:p>
         </p:txBody>
       </p:sp>
@@ -3165,6 +3199,213 @@
     <p:extLst>
       <p:ext uri="{BB962C8B-B14F-4D97-AF65-F5344CB8AC3E}">
         <p14:creationId xmlns:p14="http://schemas.microsoft.com/office/powerpoint/2010/main" val="3943885749"/>
+      </p:ext>
+    </p:extLst>
+  </p:cSld>
+  <p:clrMapOvr>
+    <a:masterClrMapping/>
+  </p:clrMapOvr>
+</p:sld>
+</file>
+
+<file path=ppt/slides/slide3.xml><?xml version="1.0" encoding="utf-8"?>
+<p:sld xmlns:a="http://schemas.openxmlformats.org/drawingml/2006/main" xmlns:r="http://schemas.openxmlformats.org/officeDocument/2006/relationships" xmlns:p="http://schemas.openxmlformats.org/presentationml/2006/main">
+  <p:cSld>
+    <p:spTree>
+      <p:nvGrpSpPr>
+        <p:cNvPr id="1" name=""/>
+        <p:cNvGrpSpPr/>
+        <p:nvPr/>
+      </p:nvGrpSpPr>
+      <p:grpSpPr>
+        <a:xfrm>
+          <a:off x="0" y="0"/>
+          <a:ext cx="0" cy="0"/>
+          <a:chOff x="0" y="0"/>
+          <a:chExt cx="0" cy="0"/>
+        </a:xfrm>
+      </p:grpSpPr>
+      <p:sp>
+        <p:nvSpPr>
+          <p:cNvPr id="2" name="Title 1"/>
+          <p:cNvSpPr>
+            <a:spLocks noGrp="1"/>
+          </p:cNvSpPr>
+          <p:nvPr>
+            <p:ph type="title"/>
+          </p:nvPr>
+        </p:nvSpPr>
+        <p:spPr>
+          <a:xfrm>
+            <a:off x="838200" y="128819"/>
+            <a:ext cx="10515600" cy="539001"/>
+          </a:xfrm>
+        </p:spPr>
+        <p:txBody>
+          <a:bodyPr>
+            <a:normAutofit fontScale="90000"/>
+          </a:bodyPr>
+          <a:lstStyle/>
+          <a:p>
+            <a:r>
+              <a:rPr lang="en-US" dirty="0" smtClean="0"/>
+              <a:t>HTML </a:t>
+            </a:r>
+            <a:r>
+              <a:rPr lang="en-US" dirty="0" smtClean="0"/>
+              <a:t>Attributes</a:t>
+            </a:r>
+            <a:endParaRPr lang="en-US" dirty="0"/>
+          </a:p>
+        </p:txBody>
+      </p:sp>
+      <p:sp>
+        <p:nvSpPr>
+          <p:cNvPr id="3" name="Content Placeholder 2"/>
+          <p:cNvSpPr>
+            <a:spLocks noGrp="1"/>
+          </p:cNvSpPr>
+          <p:nvPr>
+            <p:ph idx="1"/>
+          </p:nvPr>
+        </p:nvSpPr>
+        <p:spPr>
+          <a:xfrm>
+            <a:off x="838200" y="750013"/>
+            <a:ext cx="10515600" cy="5426950"/>
+          </a:xfrm>
+        </p:spPr>
+        <p:txBody>
+          <a:bodyPr>
+            <a:normAutofit/>
+          </a:bodyPr>
+          <a:lstStyle/>
+          <a:p>
+            <a:r>
+              <a:rPr lang="en-US" sz="1600" dirty="0"/>
+              <a:t>HTML elements can have </a:t>
+            </a:r>
+            <a:r>
+              <a:rPr lang="en-US" sz="1600" b="1" dirty="0"/>
+              <a:t>attributes</a:t>
+            </a:r>
+            <a:endParaRPr lang="en-US" sz="1600" dirty="0"/>
+          </a:p>
+          <a:p>
+            <a:r>
+              <a:rPr lang="en-US" sz="1600" dirty="0"/>
+              <a:t>Attributes provide </a:t>
+            </a:r>
+            <a:r>
+              <a:rPr lang="en-US" sz="1600" b="1" dirty="0"/>
+              <a:t>additional information</a:t>
+            </a:r>
+            <a:r>
+              <a:rPr lang="en-US" sz="1600" dirty="0"/>
+              <a:t> about an element</a:t>
+            </a:r>
+          </a:p>
+          <a:p>
+            <a:r>
+              <a:rPr lang="en-US" sz="1600" dirty="0"/>
+              <a:t>Attributes are always specified in </a:t>
+            </a:r>
+            <a:r>
+              <a:rPr lang="en-US" sz="1600" b="1" dirty="0"/>
+              <a:t>the start tag</a:t>
+            </a:r>
+            <a:endParaRPr lang="en-US" sz="1600" dirty="0"/>
+          </a:p>
+          <a:p>
+            <a:r>
+              <a:rPr lang="en-US" sz="1600" dirty="0"/>
+              <a:t>Attributes come in name/value pairs like: </a:t>
+            </a:r>
+            <a:r>
+              <a:rPr lang="en-US" sz="1600" b="1" dirty="0"/>
+              <a:t>name="</a:t>
+            </a:r>
+            <a:r>
+              <a:rPr lang="en-US" sz="1600" b="1" dirty="0" smtClean="0"/>
+              <a:t>value“</a:t>
+            </a:r>
+          </a:p>
+          <a:p>
+            <a:r>
+              <a:rPr lang="en-US" sz="1600" dirty="0" smtClean="0"/>
+              <a:t>&lt;html&gt; : &lt;html </a:t>
+            </a:r>
+            <a:r>
+              <a:rPr lang="en-US" sz="1600" dirty="0" err="1" smtClean="0">
+                <a:solidFill>
+                  <a:srgbClr val="00B0F0"/>
+                </a:solidFill>
+              </a:rPr>
+              <a:t>lang</a:t>
+            </a:r>
+            <a:r>
+              <a:rPr lang="en-US" sz="1600" dirty="0" smtClean="0">
+                <a:solidFill>
+                  <a:srgbClr val="00B0F0"/>
+                </a:solidFill>
+              </a:rPr>
+              <a:t>=“</a:t>
+            </a:r>
+            <a:r>
+              <a:rPr lang="en-US" sz="1600" dirty="0" err="1" smtClean="0">
+                <a:solidFill>
+                  <a:srgbClr val="00B0F0"/>
+                </a:solidFill>
+              </a:rPr>
+              <a:t>en</a:t>
+            </a:r>
+            <a:r>
+              <a:rPr lang="en-US" sz="1600" dirty="0" smtClean="0">
+                <a:solidFill>
+                  <a:srgbClr val="00B0F0"/>
+                </a:solidFill>
+              </a:rPr>
+              <a:t>-US”</a:t>
+            </a:r>
+            <a:r>
+              <a:rPr lang="en-US" sz="1600" dirty="0" smtClean="0"/>
+              <a:t>&gt; : use language pack </a:t>
+            </a:r>
+            <a:r>
+              <a:rPr lang="en-US" sz="1600" dirty="0" err="1" smtClean="0"/>
+              <a:t>en</a:t>
+            </a:r>
+            <a:r>
+              <a:rPr lang="en-US" sz="1600" dirty="0" smtClean="0"/>
+              <a:t>-US</a:t>
+            </a:r>
+            <a:endParaRPr lang="en-US" sz="1600" dirty="0"/>
+          </a:p>
+          <a:p>
+            <a:r>
+              <a:rPr lang="en-US" sz="1600" dirty="0" smtClean="0"/>
+              <a:t>&lt;p&gt; : &lt;p </a:t>
+            </a:r>
+            <a:r>
+              <a:rPr lang="en-US" sz="1600" dirty="0" smtClean="0">
+                <a:solidFill>
+                  <a:srgbClr val="00B0F0"/>
+                </a:solidFill>
+              </a:rPr>
+              <a:t>title=“About the paragraph”</a:t>
+            </a:r>
+            <a:r>
+              <a:rPr lang="en-US" sz="1600" dirty="0" smtClean="0"/>
+              <a:t>&gt; : Set the title as mentioned.</a:t>
+            </a:r>
+            <a:endParaRPr lang="en-US" sz="1600" dirty="0" smtClean="0"/>
+          </a:p>
+        </p:txBody>
+      </p:sp>
+    </p:spTree>
+    <p:extLst>
+      <p:ext uri="{BB962C8B-B14F-4D97-AF65-F5344CB8AC3E}">
+        <p14:creationId xmlns:p14="http://schemas.microsoft.com/office/powerpoint/2010/main" val="3473890858"/>
       </p:ext>
     </p:extLst>
   </p:cSld>
